--- a/CalendarioAgo21/CISCO/Capítulo2.pptx
+++ b/CalendarioAgo21/CISCO/Capítulo2.pptx
@@ -11857,7 +11857,7 @@
             <a:r>
               <a:rPr lang="es-ES" sz="2000" b="1" kern="0" dirty="0">
                 <a:solidFill>
-                  <a:srgbClr val="000000"/>
+                  <a:srgbClr val="FF0000"/>
                 </a:solidFill>
                 <a:latin typeface="Arial"/>
               </a:rPr>
@@ -11866,7 +11866,7 @@
             <a:r>
               <a:rPr lang="es-ES" sz="2000" b="1" kern="0" dirty="0" err="1">
                 <a:solidFill>
-                  <a:srgbClr val="000000"/>
+                  <a:srgbClr val="FF0000"/>
                 </a:solidFill>
                 <a:latin typeface="Arial"/>
               </a:rPr>
@@ -11875,7 +11875,7 @@
             <a:r>
               <a:rPr lang="es-ES" sz="2000" b="1" kern="0" dirty="0">
                 <a:solidFill>
-                  <a:srgbClr val="000000"/>
+                  <a:srgbClr val="FF0000"/>
                 </a:solidFill>
                 <a:latin typeface="Arial"/>
               </a:rPr>
@@ -11884,7 +11884,7 @@
             <a:r>
               <a:rPr lang="es-ES" sz="2000" b="1" kern="0" dirty="0" err="1">
                 <a:solidFill>
-                  <a:srgbClr val="000000"/>
+                  <a:srgbClr val="FF0000"/>
                 </a:solidFill>
                 <a:latin typeface="Arial"/>
               </a:rPr>
@@ -11893,7 +11893,7 @@
             <a:r>
               <a:rPr lang="es-ES" sz="2000" b="1" kern="0" dirty="0">
                 <a:solidFill>
-                  <a:srgbClr val="000000"/>
+                  <a:srgbClr val="FF0000"/>
                 </a:solidFill>
                 <a:latin typeface="Arial"/>
               </a:rPr>
@@ -11902,11 +11902,20 @@
             <a:r>
               <a:rPr lang="es-ES" sz="2000" kern="0" dirty="0">
                 <a:solidFill>
-                  <a:srgbClr val="000000"/>
+                  <a:srgbClr val="FF0000"/>
                 </a:solidFill>
                 <a:latin typeface="Arial"/>
               </a:rPr>
-              <a:t>: solo se especifica la dirección IP del siguiente salto (</a:t>
+              <a:t>: </a:t>
+            </a:r>
+            <a:r>
+              <a:rPr lang="es-ES" sz="2000" kern="0" dirty="0">
+                <a:solidFill>
+                  <a:srgbClr val="000000"/>
+                </a:solidFill>
+                <a:latin typeface="Arial"/>
+              </a:rPr>
+              <a:t>solo se especifica la dirección IP del siguiente salto (</a:t>
             </a:r>
             <a:r>
               <a:rPr lang="es-ES" sz="2000" kern="0" dirty="0" err="1">
@@ -11944,7 +11953,7 @@
             <a:r>
               <a:rPr lang="es-ES" sz="2000" b="1" kern="0" dirty="0">
                 <a:solidFill>
-                  <a:srgbClr val="000000"/>
+                  <a:srgbClr val="FF0000"/>
                 </a:solidFill>
                 <a:latin typeface="Arial"/>
               </a:rPr>
@@ -11953,11 +11962,20 @@
             <a:r>
               <a:rPr lang="es-ES" sz="2000" kern="0" dirty="0">
                 <a:solidFill>
-                  <a:srgbClr val="000000"/>
+                  <a:srgbClr val="FF0000"/>
                 </a:solidFill>
                 <a:latin typeface="Arial"/>
               </a:rPr>
-              <a:t>: solo se especifica la interfaz de salida del </a:t>
+              <a:t>: </a:t>
+            </a:r>
+            <a:r>
+              <a:rPr lang="es-ES" sz="2000" kern="0" dirty="0">
+                <a:solidFill>
+                  <a:srgbClr val="000000"/>
+                </a:solidFill>
+                <a:latin typeface="Arial"/>
+              </a:rPr>
+              <a:t>solo se especifica la interfaz de salida del </a:t>
             </a:r>
             <a:r>
               <a:rPr lang="es-ES" sz="2000" kern="0" dirty="0" err="1">
@@ -11995,7 +12013,7 @@
             <a:r>
               <a:rPr lang="es-ES" sz="2000" b="1" kern="0" dirty="0">
                 <a:solidFill>
-                  <a:srgbClr val="000000"/>
+                  <a:srgbClr val="FF0000"/>
                 </a:solidFill>
                 <a:latin typeface="Arial"/>
               </a:rPr>
@@ -12004,7 +12022,7 @@
             <a:r>
               <a:rPr lang="es-ES" sz="2000" b="1" kern="0" dirty="0" err="1">
                 <a:solidFill>
-                  <a:srgbClr val="000000"/>
+                  <a:srgbClr val="FF0000"/>
                 </a:solidFill>
                 <a:latin typeface="Arial"/>
               </a:rPr>
@@ -12013,7 +12031,7 @@
             <a:r>
               <a:rPr lang="es-ES" sz="2000" b="1" kern="0" dirty="0">
                 <a:solidFill>
-                  <a:srgbClr val="000000"/>
+                  <a:srgbClr val="FF0000"/>
                 </a:solidFill>
                 <a:latin typeface="Arial"/>
               </a:rPr>
@@ -12048,7 +12066,7 @@
             </a:r>
           </a:p>
           <a:p>
-            <a:pPr lvl="0" algn="l" defTabSz="814388">
+            <a:pPr lvl="0" algn="just" defTabSz="814388">
               <a:lnSpc>
                 <a:spcPct val="95000"/>
               </a:lnSpc>
@@ -13436,7 +13454,7 @@
         </p:blipFill>
         <p:spPr>
           <a:xfrm>
-            <a:off x="2942704" y="1522983"/>
+            <a:off x="2950453" y="1282459"/>
             <a:ext cx="6096001" cy="4797553"/>
           </a:xfrm>
           <a:prstGeom prst="rect">
@@ -13459,7 +13477,7 @@
         <p:spPr>
           <a:xfrm>
             <a:off x="193868" y="1566661"/>
-            <a:ext cx="2541168" cy="4358116"/>
+            <a:ext cx="2541168" cy="4164217"/>
           </a:xfrm>
           <a:prstGeom prst="rect">
             <a:avLst/>
@@ -13496,7 +13514,7 @@
             <a:pPr algn="l"/>
             <a:r>
               <a:rPr lang="es-ES" sz="1400" dirty="0"/>
-              <a:t>El R1 también está configurado con una ruta estática flotante predeterminada que apunta al R3 con una distancia administrativa de 5. Este valor es mayor que el valor predeterminado 1, y, por lo tanto, esta ruta flota y no está presente en la tabla de ruteo, a menos que la ruta preferida falle.</a:t>
+              <a:t>El R1 está configurado con una ruta estática flotante predeterminada que apunta al R3 con una distancia administrativa de 5. Este valor es mayor que el valor predeterminado 1, y, por lo tanto, esta ruta flota y no está presente en la tabla de ruteo, a menos que la ruta preferida falle.</a:t>
             </a:r>
           </a:p>
         </p:txBody>
@@ -13736,7 +13754,7 @@
         <p:spPr>
           <a:xfrm>
             <a:off x="268529" y="1232592"/>
-            <a:ext cx="8652187" cy="2591263"/>
+            <a:ext cx="8652187" cy="2092499"/>
           </a:xfrm>
         </p:spPr>
         <p:txBody>
@@ -13748,7 +13766,15 @@
             </a:pPr>
             <a:r>
               <a:rPr lang="es-ES" sz="1700" dirty="0"/>
-              <a:t>El routing estático proporciona algunas ventajas en comparación con el routing dinámico, por ejemplo:</a:t>
+              <a:t>El routing estático proporciona algunas </a:t>
+            </a:r>
+            <a:r>
+              <a:rPr lang="es-ES" sz="1700" b="1" dirty="0"/>
+              <a:t>ventajas</a:t>
+            </a:r>
+            <a:r>
+              <a:rPr lang="es-ES" sz="1700" dirty="0"/>
+              <a:t> en comparación con el routing dinámico, por ejemplo:</a:t>
             </a:r>
           </a:p>
           <a:p>
@@ -13774,7 +13800,7 @@
           <a:p>
             <a:r>
               <a:rPr lang="es-ES" sz="1700" dirty="0"/>
-              <a:t>La ruta que usa una ruta estática para enviar datos es conocida.</a:t>
+              <a:t>La ruta que usa una ruta estática para enviar datos a un destino es conocida.</a:t>
             </a:r>
           </a:p>
           <a:p>
@@ -13901,6 +13927,10 @@
             </a:r>
           </a:p>
           <a:p>
+            <a:pPr marL="457200" indent="-457200">
+              <a:buFont typeface="+mj-lt"/>
+              <a:buAutoNum type="arabicPeriod"/>
+            </a:pPr>
             <a:r>
               <a:rPr lang="es-ES" sz="2000" dirty="0"/>
               <a:t>Para conectarse a una </a:t>
@@ -13915,6 +13945,10 @@
             </a:r>
           </a:p>
           <a:p>
+            <a:pPr marL="457200" indent="-457200">
+              <a:buFont typeface="+mj-lt"/>
+              <a:buAutoNum type="arabicPeriod"/>
+            </a:pPr>
             <a:r>
               <a:rPr lang="es-ES" sz="2000" dirty="0"/>
               <a:t>Para proporcionar un gateway de último recurso para una red de conexión única (</a:t>
@@ -13990,7 +14024,7 @@
         </p:blipFill>
         <p:spPr>
           <a:xfrm>
-            <a:off x="3877000" y="3610947"/>
+            <a:off x="4061516" y="3610947"/>
             <a:ext cx="4904509" cy="3075605"/>
           </a:xfrm>
           <a:prstGeom prst="rect">
@@ -14015,7 +14049,7 @@
         <p:spPr bwMode="auto">
           <a:xfrm>
             <a:off x="268530" y="3610947"/>
-            <a:ext cx="3764627" cy="2724539"/>
+            <a:ext cx="3978006" cy="2724539"/>
           </a:xfrm>
           <a:prstGeom prst="rect">
             <a:avLst/>
@@ -14246,12 +14280,20 @@
             </a:lvl9pPr>
           </a:lstStyle>
           <a:p>
+            <a:pPr marL="457200" indent="-457200">
+              <a:buFont typeface="+mj-lt"/>
+              <a:buAutoNum type="arabicPeriod" startAt="3"/>
+            </a:pPr>
             <a:r>
               <a:rPr lang="es-ES" sz="2000" kern="0" dirty="0"/>
               <a:t>Para reducir el número de rutas anunciadas mediante el resumen de varias redes contiguas como una sola ruta estática.</a:t>
             </a:r>
           </a:p>
           <a:p>
+            <a:pPr marL="457200" indent="-457200">
+              <a:buFont typeface="+mj-lt"/>
+              <a:buAutoNum type="arabicPeriod" startAt="3"/>
+            </a:pPr>
             <a:r>
               <a:rPr lang="es-ES" sz="2000" kern="0" dirty="0"/>
               <a:t>Para crear una ruta de respaldo en caso de que falle un enlace de la ruta principal.</a:t>
